--- a/PPT/14 Java Mail的使用.pptx
+++ b/PPT/14 Java Mail的使用.pptx
@@ -5,10 +5,10 @@
     <p:sldMasterId id="2147483699" r:id="rId1"/>
   </p:sldMasterIdLst>
   <p:notesMasterIdLst>
-    <p:notesMasterId r:id="rId17"/>
+    <p:notesMasterId r:id="rId18"/>
   </p:notesMasterIdLst>
   <p:handoutMasterIdLst>
-    <p:handoutMasterId r:id="rId18"/>
+    <p:handoutMasterId r:id="rId19"/>
   </p:handoutMasterIdLst>
   <p:sldIdLst>
     <p:sldId id="294" r:id="rId2"/>
@@ -26,6 +26,7 @@
     <p:sldId id="331" r:id="rId14"/>
     <p:sldId id="332" r:id="rId15"/>
     <p:sldId id="333" r:id="rId16"/>
+    <p:sldId id="337" r:id="rId17"/>
   </p:sldIdLst>
   <p:sldSz cx="9144000" cy="5143500" type="screen16x9"/>
   <p:notesSz cx="6858000" cy="9144000"/>
@@ -3098,7 +3099,15 @@
             <a:pPr lvl="1"/>
             <a:r>
               <a:rPr lang="zh-CN" altLang="en-US" sz="1600" dirty="0" smtClean="0"/>
-              <a:t>授权者类，以用户名、密码的方式访问邮件服务器</a:t>
+              <a:t>授权者类，以用户名</a:t>
+            </a:r>
+            <a:r>
+              <a:rPr lang="zh-CN" altLang="en-US" sz="1600" dirty="0" smtClean="0"/>
+              <a:t>、授权码的</a:t>
+            </a:r>
+            <a:r>
+              <a:rPr lang="zh-CN" altLang="en-US" sz="1600" dirty="0" smtClean="0"/>
+              <a:t>方式访问邮件服务器</a:t>
             </a:r>
             <a:endParaRPr lang="en-US" altLang="zh-CN" sz="1600" dirty="0" smtClean="0"/>
           </a:p>
@@ -3340,8 +3349,13 @@
             </a:r>
             <a:r>
               <a:rPr lang="en-US" altLang="zh-CN" sz="1400" dirty="0" smtClean="0"/>
-              <a:t>", "true");</a:t>
-            </a:r>
+              <a:t>", </a:t>
+            </a:r>
+            <a:r>
+              <a:rPr lang="en-US" altLang="zh-CN" sz="1400" dirty="0" smtClean="0"/>
+              <a:t>true);</a:t>
+            </a:r>
+            <a:endParaRPr lang="en-US" altLang="zh-CN" sz="1400" dirty="0" smtClean="0"/>
           </a:p>
           <a:p>
             <a:pPr lvl="1">
@@ -4696,6 +4710,206 @@
     <p:extLst>
       <p:ext uri="{BB962C8B-B14F-4D97-AF65-F5344CB8AC3E}">
         <p14:creationId xmlns:p14="http://schemas.microsoft.com/office/powerpoint/2010/main" val="3695244677"/>
+      </p:ext>
+    </p:extLst>
+  </p:cSld>
+  <p:clrMapOvr>
+    <a:masterClrMapping/>
+  </p:clrMapOvr>
+  <p:timing>
+    <p:tnLst>
+      <p:par>
+        <p:cTn id="1" dur="indefinite" restart="never" nodeType="tmRoot"/>
+      </p:par>
+    </p:tnLst>
+  </p:timing>
+</p:sld>
+</file>
+
+<file path=ppt/slides/slide16.xml><?xml version="1.0" encoding="utf-8"?>
+<p:sld xmlns:a="http://schemas.openxmlformats.org/drawingml/2006/main" xmlns:r="http://schemas.openxmlformats.org/officeDocument/2006/relationships" xmlns:p="http://schemas.openxmlformats.org/presentationml/2006/main">
+  <p:cSld>
+    <p:spTree>
+      <p:nvGrpSpPr>
+        <p:cNvPr id="1" name=""/>
+        <p:cNvGrpSpPr/>
+        <p:nvPr/>
+      </p:nvGrpSpPr>
+      <p:grpSpPr>
+        <a:xfrm>
+          <a:off x="0" y="0"/>
+          <a:ext cx="0" cy="0"/>
+          <a:chOff x="0" y="0"/>
+          <a:chExt cx="0" cy="0"/>
+        </a:xfrm>
+      </p:grpSpPr>
+      <p:sp>
+        <p:nvSpPr>
+          <p:cNvPr id="2" name="内容占位符 1"/>
+          <p:cNvSpPr>
+            <a:spLocks noGrp="1"/>
+          </p:cNvSpPr>
+          <p:nvPr>
+            <p:ph idx="1"/>
+          </p:nvPr>
+        </p:nvSpPr>
+        <p:spPr/>
+        <p:txBody>
+          <a:bodyPr>
+            <a:normAutofit fontScale="92500"/>
+          </a:bodyPr>
+          <a:lstStyle/>
+          <a:p>
+            <a:pPr marL="0" indent="0">
+              <a:buNone/>
+            </a:pPr>
+            <a:r>
+              <a:rPr lang="en-US" altLang="zh-CN" dirty="0" smtClean="0"/>
+              <a:t>1</a:t>
+            </a:r>
+            <a:r>
+              <a:rPr lang="zh-CN" altLang="en-US" dirty="0" smtClean="0"/>
+              <a:t>、</a:t>
+            </a:r>
+            <a:r>
+              <a:rPr lang="en-US" altLang="zh-CN" dirty="0" err="1" smtClean="0"/>
+              <a:t>javamail</a:t>
+            </a:r>
+            <a:r>
+              <a:rPr lang="en-US" altLang="zh-CN" dirty="0" smtClean="0"/>
+              <a:t> </a:t>
+            </a:r>
+            <a:r>
+              <a:rPr lang="zh-CN" altLang="en-US" dirty="0" smtClean="0"/>
+              <a:t>与</a:t>
+            </a:r>
+            <a:r>
+              <a:rPr lang="en-US" altLang="zh-CN" dirty="0" err="1"/>
+              <a:t>T</a:t>
+            </a:r>
+            <a:r>
+              <a:rPr lang="en-US" altLang="zh-CN" dirty="0" err="1" smtClean="0"/>
+              <a:t>estNG</a:t>
+            </a:r>
+            <a:r>
+              <a:rPr lang="zh-CN" altLang="en-US" dirty="0" smtClean="0"/>
+              <a:t>监听器结合（成功了几个，失败了几个）</a:t>
+            </a:r>
+            <a:endParaRPr lang="en-US" altLang="zh-CN" dirty="0" smtClean="0"/>
+          </a:p>
+          <a:p>
+            <a:pPr marL="0" indent="0">
+              <a:buNone/>
+            </a:pPr>
+            <a:r>
+              <a:rPr lang="en-US" altLang="zh-CN" dirty="0" smtClean="0"/>
+              <a:t>2</a:t>
+            </a:r>
+            <a:r>
+              <a:rPr lang="zh-CN" altLang="en-US" dirty="0" smtClean="0"/>
+              <a:t>、</a:t>
+            </a:r>
+            <a:r>
+              <a:rPr lang="en-US" altLang="zh-CN" dirty="0" err="1" smtClean="0"/>
+              <a:t>javamail+TestNG+Selenium</a:t>
+            </a:r>
+            <a:r>
+              <a:rPr lang="zh-CN" altLang="en-US" dirty="0" smtClean="0"/>
+              <a:t>结合</a:t>
+            </a:r>
+            <a:endParaRPr lang="en-US" altLang="zh-CN" dirty="0" smtClean="0"/>
+          </a:p>
+          <a:p>
+            <a:pPr marL="0" indent="0">
+              <a:buNone/>
+            </a:pPr>
+            <a:r>
+              <a:rPr lang="en-US" altLang="zh-CN" dirty="0" smtClean="0"/>
+              <a:t>3</a:t>
+            </a:r>
+            <a:r>
+              <a:rPr lang="zh-CN" altLang="en-US" dirty="0" smtClean="0"/>
+              <a:t>、</a:t>
+            </a:r>
+            <a:r>
+              <a:rPr lang="en-US" altLang="zh-CN" dirty="0" smtClean="0"/>
+              <a:t>test-output</a:t>
+            </a:r>
+            <a:r>
+              <a:rPr lang="zh-CN" altLang="en-US" dirty="0" smtClean="0"/>
+              <a:t>文件压缩，作为附件来进行发送</a:t>
+            </a:r>
+            <a:endParaRPr lang="en-US" altLang="zh-CN" dirty="0" smtClean="0"/>
+          </a:p>
+          <a:p>
+            <a:pPr marL="0" indent="0">
+              <a:buNone/>
+            </a:pPr>
+            <a:r>
+              <a:rPr lang="en-US" altLang="zh-CN" dirty="0" smtClean="0"/>
+              <a:t>3</a:t>
+            </a:r>
+            <a:r>
+              <a:rPr lang="zh-CN" altLang="en-US" dirty="0" smtClean="0"/>
+              <a:t>、另外一种实现方式，</a:t>
+            </a:r>
+            <a:r>
+              <a:rPr lang="en-US" altLang="zh-CN" i="1" dirty="0" err="1" smtClean="0"/>
+              <a:t>FreeMarker</a:t>
+            </a:r>
+            <a:r>
+              <a:rPr lang="zh-CN" altLang="en-US" i="1" dirty="0" smtClean="0"/>
+              <a:t>提取测试结果</a:t>
+            </a:r>
+            <a:r>
+              <a:rPr lang="en-US" altLang="zh-CN" i="1" dirty="0" smtClean="0"/>
+              <a:t>html</a:t>
+            </a:r>
+            <a:r>
+              <a:rPr lang="zh-CN" altLang="en-US" i="1" dirty="0" smtClean="0"/>
+              <a:t>格式，作为正文发送</a:t>
+            </a:r>
+            <a:endParaRPr lang="en-US" altLang="zh-CN" dirty="0" smtClean="0"/>
+          </a:p>
+          <a:p>
+            <a:pPr marL="0" indent="0">
+              <a:buNone/>
+            </a:pPr>
+            <a:endParaRPr lang="en-US" altLang="zh-CN" dirty="0"/>
+          </a:p>
+          <a:p>
+            <a:pPr marL="0" indent="0">
+              <a:buNone/>
+            </a:pPr>
+            <a:endParaRPr lang="zh-CN" altLang="en-US" dirty="0"/>
+          </a:p>
+        </p:txBody>
+      </p:sp>
+      <p:sp>
+        <p:nvSpPr>
+          <p:cNvPr id="3" name="标题 2"/>
+          <p:cNvSpPr>
+            <a:spLocks noGrp="1"/>
+          </p:cNvSpPr>
+          <p:nvPr>
+            <p:ph type="title"/>
+          </p:nvPr>
+        </p:nvSpPr>
+        <p:spPr/>
+        <p:txBody>
+          <a:bodyPr>
+            <a:normAutofit fontScale="90000"/>
+          </a:bodyPr>
+          <a:lstStyle/>
+          <a:p>
+            <a:endParaRPr lang="zh-CN" altLang="en-US"/>
+          </a:p>
+        </p:txBody>
+      </p:sp>
+    </p:spTree>
+    <p:extLst>
+      <p:ext uri="{BB962C8B-B14F-4D97-AF65-F5344CB8AC3E}">
+        <p14:creationId xmlns:p14="http://schemas.microsoft.com/office/powerpoint/2010/main" val="3388926507"/>
       </p:ext>
     </p:extLst>
   </p:cSld>
@@ -6133,7 +6347,7 @@
         <a:sysClr val="windowText" lastClr="000000"/>
       </a:dk1>
       <a:lt1>
-        <a:sysClr val="window" lastClr="CCE8CF"/>
+        <a:sysClr val="window" lastClr="FFFFFF"/>
       </a:lt1>
       <a:dk2>
         <a:srgbClr val="1F497D"/>
@@ -6416,7 +6630,7 @@
         <a:sysClr val="windowText" lastClr="000000"/>
       </a:dk1>
       <a:lt1>
-        <a:sysClr val="window" lastClr="CCE8CF"/>
+        <a:sysClr val="window" lastClr="FFFFFF"/>
       </a:lt1>
       <a:dk2>
         <a:srgbClr val="1F497D"/>
@@ -6701,7 +6915,7 @@
         <a:sysClr val="windowText" lastClr="000000"/>
       </a:dk1>
       <a:lt1>
-        <a:sysClr val="window" lastClr="CCE8CF"/>
+        <a:sysClr val="window" lastClr="FFFFFF"/>
       </a:lt1>
       <a:dk2>
         <a:srgbClr val="1F497D"/>
